--- a/clase6/teorica_6.pptx
+++ b/clase6/teorica_6.pptx
@@ -8218,7 +8218,7 @@
           </a:bodyPr>
           <a:lstStyle/>
           <a:p>
-            <a:pPr marL="0" lvl="0" indent="0" algn="ctr" rtl="0">
+            <a:pPr marL="0" lvl="0" indent="0" rtl="0">
               <a:spcBef>
                 <a:spcPts val="0"/>
               </a:spcBef>
@@ -8266,38 +8266,16 @@
             </a:pPr>
             <a:r>
               <a:rPr lang="es-AR" dirty="0"/>
-              <a:t>Diplomatura en Ciencias Sociales Computacionales y Humanidades Digitales (IDAES-UNSAM) – Marzo/Abril 2023</a:t>
+              <a:t>Diplomatura en Ciencias Sociales Computacionales y Humanidades Digitales (</a:t>
             </a:r>
+            <a:r>
+              <a:rPr lang="es-AR"/>
+              <a:t>IDAES-UNSAM)</a:t>
+            </a:r>
+            <a:endParaRPr lang="es-AR" dirty="0"/>
           </a:p>
         </p:txBody>
       </p:sp>
-      <p:pic>
-        <p:nvPicPr>
-          <p:cNvPr id="61" name="Google Shape;61;p13"/>
-          <p:cNvPicPr preferRelativeResize="0"/>
-          <p:nvPr/>
-        </p:nvPicPr>
-        <p:blipFill rotWithShape="1">
-          <a:blip r:embed="rId3">
-            <a:alphaModFix/>
-          </a:blip>
-          <a:srcRect l="15544" t="36940" r="15948" b="37818"/>
-          <a:stretch/>
-        </p:blipFill>
-        <p:spPr>
-          <a:xfrm>
-            <a:off x="7164052" y="284375"/>
-            <a:ext cx="1684874" cy="465550"/>
-          </a:xfrm>
-          <a:prstGeom prst="rect">
-            <a:avLst/>
-          </a:prstGeom>
-          <a:noFill/>
-          <a:ln>
-            <a:noFill/>
-          </a:ln>
-        </p:spPr>
-      </p:pic>
     </p:spTree>
   </p:cSld>
   <p:clrMapOvr>
@@ -9567,8 +9545,8 @@
           </a:p>
         </p:txBody>
       </p:sp>
-      <mc:AlternateContent xmlns:mc="http://schemas.openxmlformats.org/markup-compatibility/2006">
-        <mc:Choice xmlns:a14="http://schemas.microsoft.com/office/drawing/2010/main" Requires="a14">
+      <mc:AlternateContent xmlns:mc="http://schemas.openxmlformats.org/markup-compatibility/2006" xmlns:a14="http://schemas.microsoft.com/office/drawing/2010/main">
+        <mc:Choice Requires="a14">
           <p:sp>
             <p:nvSpPr>
               <p:cNvPr id="4" name="Google Shape;284;p49">
@@ -9937,7 +9915,7 @@
             </p:txBody>
           </p:sp>
         </mc:Choice>
-        <mc:Fallback>
+        <mc:Fallback xmlns="">
           <p:sp>
             <p:nvSpPr>
               <p:cNvPr id="4" name="Google Shape;284;p49">
@@ -15293,59 +15271,136 @@
           </a:p>
         </p:txBody>
       </p:sp>
-      <p:sp>
-        <p:nvSpPr>
-          <p:cNvPr id="8" name="Rectangle 7">
-            <a:extLst>
-              <a:ext uri="{FF2B5EF4-FFF2-40B4-BE49-F238E27FC236}">
-                <a16:creationId xmlns:a16="http://schemas.microsoft.com/office/drawing/2014/main" id="{4225FBC7-141B-BD5E-87AE-BC7AA61A62CF}"/>
-              </a:ext>
-            </a:extLst>
-          </p:cNvPr>
-          <p:cNvSpPr/>
-          <p:nvPr/>
-        </p:nvSpPr>
-        <p:spPr>
-          <a:xfrm>
-            <a:off x="4276576" y="2114550"/>
-            <a:ext cx="1741170" cy="967740"/>
-          </a:xfrm>
-          <a:prstGeom prst="rect">
-            <a:avLst/>
-          </a:prstGeom>
-        </p:spPr>
-        <p:style>
-          <a:lnRef idx="2">
-            <a:schemeClr val="accent1">
-              <a:shade val="15000"/>
-            </a:schemeClr>
-          </a:lnRef>
-          <a:fillRef idx="1">
-            <a:schemeClr val="accent1"/>
-          </a:fillRef>
-          <a:effectRef idx="0">
-            <a:schemeClr val="accent1"/>
-          </a:effectRef>
-          <a:fontRef idx="minor">
-            <a:schemeClr val="lt1"/>
-          </a:fontRef>
-        </p:style>
-        <p:txBody>
-          <a:bodyPr rtlCol="0" anchor="ctr"/>
-          <a:lstStyle/>
-          <a:p>
-            <a:pPr algn="ctr"/>
-            <a:r>
-              <a:rPr lang="en-US" dirty="0" err="1"/>
-              <a:t>Precariedad</a:t>
-            </a:r>
-            <a:r>
-              <a:rPr lang="en-US" dirty="0"/>
-              <a:t> = f(X)</a:t>
-            </a:r>
-          </a:p>
-        </p:txBody>
-      </p:sp>
+      <mc:AlternateContent xmlns:mc="http://schemas.openxmlformats.org/markup-compatibility/2006" xmlns:a14="http://schemas.microsoft.com/office/drawing/2010/main">
+        <mc:Choice Requires="a14">
+          <p:sp>
+            <p:nvSpPr>
+              <p:cNvPr id="8" name="Rectangle 7">
+                <a:extLst>
+                  <a:ext uri="{FF2B5EF4-FFF2-40B4-BE49-F238E27FC236}">
+                    <a16:creationId xmlns:a16="http://schemas.microsoft.com/office/drawing/2014/main" id="{4225FBC7-141B-BD5E-87AE-BC7AA61A62CF}"/>
+                  </a:ext>
+                </a:extLst>
+              </p:cNvPr>
+              <p:cNvSpPr/>
+              <p:nvPr/>
+            </p:nvSpPr>
+            <p:spPr>
+              <a:xfrm>
+                <a:off x="4276576" y="2114550"/>
+                <a:ext cx="1741170" cy="967740"/>
+              </a:xfrm>
+              <a:prstGeom prst="rect">
+                <a:avLst/>
+              </a:prstGeom>
+            </p:spPr>
+            <p:style>
+              <a:lnRef idx="2">
+                <a:schemeClr val="accent1">
+                  <a:shade val="15000"/>
+                </a:schemeClr>
+              </a:lnRef>
+              <a:fillRef idx="1">
+                <a:schemeClr val="accent1"/>
+              </a:fillRef>
+              <a:effectRef idx="0">
+                <a:schemeClr val="accent1"/>
+              </a:effectRef>
+              <a:fontRef idx="minor">
+                <a:schemeClr val="lt1"/>
+              </a:fontRef>
+            </p:style>
+            <p:txBody>
+              <a:bodyPr rtlCol="0" anchor="ctr"/>
+              <a:lstStyle/>
+              <a:p>
+                <a:pPr algn="ctr"/>
+                <a:r>
+                  <a:rPr lang="en-US" dirty="0" err="1"/>
+                  <a:t>Precariedad</a:t>
+                </a:r>
+                <a:r>
+                  <a:rPr lang="en-US" dirty="0"/>
+                  <a:t> = </a:t>
+                </a:r>
+                <a14:m>
+                  <m:oMath xmlns:m="http://schemas.openxmlformats.org/officeDocument/2006/math">
+                    <m:r>
+                      <a:rPr lang="en-US" i="1" dirty="0" smtClean="0">
+                        <a:latin typeface="Cambria Math" panose="02040503050406030204" pitchFamily="18" charset="0"/>
+                      </a:rPr>
+                      <m:t>𝑓</m:t>
+                    </m:r>
+                    <m:r>
+                      <a:rPr lang="en-US" i="1" dirty="0" smtClean="0">
+                        <a:latin typeface="Cambria Math" panose="02040503050406030204" pitchFamily="18" charset="0"/>
+                      </a:rPr>
+                      <m:t>(</m:t>
+                    </m:r>
+                    <m:r>
+                      <a:rPr lang="en-US" i="1" dirty="0" smtClean="0">
+                        <a:latin typeface="Cambria Math" panose="02040503050406030204" pitchFamily="18" charset="0"/>
+                      </a:rPr>
+                      <m:t>𝑋</m:t>
+                    </m:r>
+                    <m:r>
+                      <a:rPr lang="en-US" i="1" dirty="0" smtClean="0">
+                        <a:latin typeface="Cambria Math" panose="02040503050406030204" pitchFamily="18" charset="0"/>
+                      </a:rPr>
+                      <m:t>)</m:t>
+                    </m:r>
+                  </m:oMath>
+                </a14:m>
+                <a:endParaRPr lang="en-US" dirty="0"/>
+              </a:p>
+            </p:txBody>
+          </p:sp>
+        </mc:Choice>
+        <mc:Fallback xmlns="">
+          <p:sp>
+            <p:nvSpPr>
+              <p:cNvPr id="8" name="Rectangle 7">
+                <a:extLst>
+                  <a:ext uri="{FF2B5EF4-FFF2-40B4-BE49-F238E27FC236}">
+                    <a16:creationId xmlns:a16="http://schemas.microsoft.com/office/drawing/2014/main" id="{4225FBC7-141B-BD5E-87AE-BC7AA61A62CF}"/>
+                  </a:ext>
+                </a:extLst>
+              </p:cNvPr>
+              <p:cNvSpPr>
+                <a:spLocks noRot="1" noChangeAspect="1" noMove="1" noResize="1" noEditPoints="1" noAdjustHandles="1" noChangeArrowheads="1" noChangeShapeType="1" noTextEdit="1"/>
+              </p:cNvSpPr>
+              <p:nvPr/>
+            </p:nvSpPr>
+            <p:spPr>
+              <a:xfrm>
+                <a:off x="4276576" y="2114550"/>
+                <a:ext cx="1741170" cy="967740"/>
+              </a:xfrm>
+              <a:prstGeom prst="rect">
+                <a:avLst/>
+              </a:prstGeom>
+              <a:blipFill>
+                <a:blip r:embed="rId3"/>
+                <a:stretch>
+                  <a:fillRect/>
+                </a:stretch>
+              </a:blipFill>
+            </p:spPr>
+            <p:txBody>
+              <a:bodyPr/>
+              <a:lstStyle/>
+              <a:p>
+                <a:r>
+                  <a:rPr lang="es-AR">
+                    <a:noFill/>
+                  </a:rPr>
+                  <a:t> </a:t>
+                </a:r>
+              </a:p>
+            </p:txBody>
+          </p:sp>
+        </mc:Fallback>
+      </mc:AlternateContent>
       <p:sp>
         <p:nvSpPr>
           <p:cNvPr id="9" name="Rectangle 8">
@@ -15445,11 +15500,11 @@
           <a:p>
             <a:r>
               <a:rPr lang="en-US" sz="1200" dirty="0"/>
-              <a:t>- Entre </a:t>
+              <a:t>- </a:t>
             </a:r>
             <a:r>
               <a:rPr lang="en-US" sz="1200" dirty="0" err="1"/>
-              <a:t>otras</a:t>
+              <a:t>Otras</a:t>
             </a:r>
             <a:endParaRPr lang="en-US" sz="1200" dirty="0"/>
           </a:p>
@@ -15501,59 +15556,136 @@
           </a:p>
         </p:txBody>
       </p:sp>
-      <p:sp>
-        <p:nvSpPr>
-          <p:cNvPr id="11" name="Rectangle 10">
-            <a:extLst>
-              <a:ext uri="{FF2B5EF4-FFF2-40B4-BE49-F238E27FC236}">
-                <a16:creationId xmlns:a16="http://schemas.microsoft.com/office/drawing/2014/main" id="{6D8C3601-6164-8A33-34DA-BFC8BDBC892A}"/>
-              </a:ext>
-            </a:extLst>
-          </p:cNvPr>
-          <p:cNvSpPr/>
-          <p:nvPr/>
-        </p:nvSpPr>
-        <p:spPr>
-          <a:xfrm>
-            <a:off x="4276576" y="3726180"/>
-            <a:ext cx="1741170" cy="967740"/>
-          </a:xfrm>
-          <a:prstGeom prst="rect">
-            <a:avLst/>
-          </a:prstGeom>
-        </p:spPr>
-        <p:style>
-          <a:lnRef idx="2">
-            <a:schemeClr val="accent1">
-              <a:shade val="15000"/>
-            </a:schemeClr>
-          </a:lnRef>
-          <a:fillRef idx="1">
-            <a:schemeClr val="accent1"/>
-          </a:fillRef>
-          <a:effectRef idx="0">
-            <a:schemeClr val="accent1"/>
-          </a:effectRef>
-          <a:fontRef idx="minor">
-            <a:schemeClr val="lt1"/>
-          </a:fontRef>
-        </p:style>
-        <p:txBody>
-          <a:bodyPr rtlCol="0" anchor="ctr"/>
-          <a:lstStyle/>
-          <a:p>
-            <a:pPr algn="ctr"/>
-            <a:r>
-              <a:rPr lang="en-US" dirty="0" err="1"/>
-              <a:t>Salario</a:t>
-            </a:r>
-            <a:r>
-              <a:rPr lang="en-US" dirty="0"/>
-              <a:t> = f(X)</a:t>
-            </a:r>
-          </a:p>
-        </p:txBody>
-      </p:sp>
+      <mc:AlternateContent xmlns:mc="http://schemas.openxmlformats.org/markup-compatibility/2006" xmlns:a14="http://schemas.microsoft.com/office/drawing/2010/main">
+        <mc:Choice Requires="a14">
+          <p:sp>
+            <p:nvSpPr>
+              <p:cNvPr id="11" name="Rectangle 10">
+                <a:extLst>
+                  <a:ext uri="{FF2B5EF4-FFF2-40B4-BE49-F238E27FC236}">
+                    <a16:creationId xmlns:a16="http://schemas.microsoft.com/office/drawing/2014/main" id="{6D8C3601-6164-8A33-34DA-BFC8BDBC892A}"/>
+                  </a:ext>
+                </a:extLst>
+              </p:cNvPr>
+              <p:cNvSpPr/>
+              <p:nvPr/>
+            </p:nvSpPr>
+            <p:spPr>
+              <a:xfrm>
+                <a:off x="4276576" y="3726180"/>
+                <a:ext cx="1741170" cy="967740"/>
+              </a:xfrm>
+              <a:prstGeom prst="rect">
+                <a:avLst/>
+              </a:prstGeom>
+            </p:spPr>
+            <p:style>
+              <a:lnRef idx="2">
+                <a:schemeClr val="accent1">
+                  <a:shade val="15000"/>
+                </a:schemeClr>
+              </a:lnRef>
+              <a:fillRef idx="1">
+                <a:schemeClr val="accent1"/>
+              </a:fillRef>
+              <a:effectRef idx="0">
+                <a:schemeClr val="accent1"/>
+              </a:effectRef>
+              <a:fontRef idx="minor">
+                <a:schemeClr val="lt1"/>
+              </a:fontRef>
+            </p:style>
+            <p:txBody>
+              <a:bodyPr rtlCol="0" anchor="ctr"/>
+              <a:lstStyle/>
+              <a:p>
+                <a:pPr algn="ctr"/>
+                <a:r>
+                  <a:rPr lang="en-US" dirty="0" err="1"/>
+                  <a:t>Salario</a:t>
+                </a:r>
+                <a:r>
+                  <a:rPr lang="en-US" dirty="0"/>
+                  <a:t> = </a:t>
+                </a:r>
+                <a14:m>
+                  <m:oMath xmlns:m="http://schemas.openxmlformats.org/officeDocument/2006/math">
+                    <m:r>
+                      <a:rPr lang="en-US" i="1" dirty="0" smtClean="0">
+                        <a:latin typeface="Cambria Math" panose="02040503050406030204" pitchFamily="18" charset="0"/>
+                      </a:rPr>
+                      <m:t>𝑓</m:t>
+                    </m:r>
+                    <m:r>
+                      <a:rPr lang="en-US" i="1" dirty="0" smtClean="0">
+                        <a:latin typeface="Cambria Math" panose="02040503050406030204" pitchFamily="18" charset="0"/>
+                      </a:rPr>
+                      <m:t>(</m:t>
+                    </m:r>
+                    <m:r>
+                      <a:rPr lang="en-US" i="1" dirty="0" smtClean="0">
+                        <a:latin typeface="Cambria Math" panose="02040503050406030204" pitchFamily="18" charset="0"/>
+                      </a:rPr>
+                      <m:t>𝑋</m:t>
+                    </m:r>
+                    <m:r>
+                      <a:rPr lang="en-US" i="1" dirty="0" smtClean="0">
+                        <a:latin typeface="Cambria Math" panose="02040503050406030204" pitchFamily="18" charset="0"/>
+                      </a:rPr>
+                      <m:t>)</m:t>
+                    </m:r>
+                  </m:oMath>
+                </a14:m>
+                <a:endParaRPr lang="en-US" dirty="0"/>
+              </a:p>
+            </p:txBody>
+          </p:sp>
+        </mc:Choice>
+        <mc:Fallback xmlns="">
+          <p:sp>
+            <p:nvSpPr>
+              <p:cNvPr id="11" name="Rectangle 10">
+                <a:extLst>
+                  <a:ext uri="{FF2B5EF4-FFF2-40B4-BE49-F238E27FC236}">
+                    <a16:creationId xmlns:a16="http://schemas.microsoft.com/office/drawing/2014/main" id="{6D8C3601-6164-8A33-34DA-BFC8BDBC892A}"/>
+                  </a:ext>
+                </a:extLst>
+              </p:cNvPr>
+              <p:cNvSpPr>
+                <a:spLocks noRot="1" noChangeAspect="1" noMove="1" noResize="1" noEditPoints="1" noAdjustHandles="1" noChangeArrowheads="1" noChangeShapeType="1" noTextEdit="1"/>
+              </p:cNvSpPr>
+              <p:nvPr/>
+            </p:nvSpPr>
+            <p:spPr>
+              <a:xfrm>
+                <a:off x="4276576" y="3726180"/>
+                <a:ext cx="1741170" cy="967740"/>
+              </a:xfrm>
+              <a:prstGeom prst="rect">
+                <a:avLst/>
+              </a:prstGeom>
+              <a:blipFill>
+                <a:blip r:embed="rId4"/>
+                <a:stretch>
+                  <a:fillRect/>
+                </a:stretch>
+              </a:blipFill>
+            </p:spPr>
+            <p:txBody>
+              <a:bodyPr/>
+              <a:lstStyle/>
+              <a:p>
+                <a:r>
+                  <a:rPr lang="es-AR">
+                    <a:noFill/>
+                  </a:rPr>
+                  <a:t> </a:t>
+                </a:r>
+              </a:p>
+            </p:txBody>
+          </p:sp>
+        </mc:Fallback>
+      </mc:AlternateContent>
       <p:sp>
         <p:nvSpPr>
           <p:cNvPr id="13" name="Rectangle 12">
@@ -17869,8 +18001,8 @@
           </a:p>
         </p:txBody>
       </p:sp>
-      <mc:AlternateContent xmlns:mc="http://schemas.openxmlformats.org/markup-compatibility/2006">
-        <mc:Choice xmlns:a14="http://schemas.microsoft.com/office/drawing/2010/main" Requires="a14">
+      <mc:AlternateContent xmlns:mc="http://schemas.openxmlformats.org/markup-compatibility/2006" xmlns:a14="http://schemas.microsoft.com/office/drawing/2010/main">
+        <mc:Choice Requires="a14">
           <p:sp>
             <p:nvSpPr>
               <p:cNvPr id="6" name="Google Shape;182;p31">
@@ -18272,7 +18404,7 @@
             </p:txBody>
           </p:sp>
         </mc:Choice>
-        <mc:Fallback>
+        <mc:Fallback xmlns="">
           <p:sp>
             <p:nvSpPr>
               <p:cNvPr id="6" name="Google Shape;182;p31">
@@ -18689,8 +18821,8 @@
           <a:chExt cx="0" cy="0"/>
         </a:xfrm>
       </p:grpSpPr>
-      <mc:AlternateContent xmlns:mc="http://schemas.openxmlformats.org/markup-compatibility/2006">
-        <mc:Choice xmlns:a14="http://schemas.microsoft.com/office/drawing/2010/main" Requires="a14">
+      <mc:AlternateContent xmlns:mc="http://schemas.openxmlformats.org/markup-compatibility/2006" xmlns:a14="http://schemas.microsoft.com/office/drawing/2010/main">
+        <mc:Choice Requires="a14">
           <p:graphicFrame>
             <p:nvGraphicFramePr>
               <p:cNvPr id="6" name="Tabla 6">
@@ -19729,7 +19861,7 @@
             </a:graphic>
           </p:graphicFrame>
         </mc:Choice>
-        <mc:Fallback>
+        <mc:Fallback xmlns="">
           <p:graphicFrame>
             <p:nvGraphicFramePr>
               <p:cNvPr id="6" name="Tabla 6">
@@ -20385,8 +20517,8 @@
           </p:graphicFrame>
         </mc:Fallback>
       </mc:AlternateContent>
-      <mc:AlternateContent xmlns:mc="http://schemas.openxmlformats.org/markup-compatibility/2006">
-        <mc:Choice xmlns:a14="http://schemas.microsoft.com/office/drawing/2010/main" Requires="a14">
+      <mc:AlternateContent xmlns:mc="http://schemas.openxmlformats.org/markup-compatibility/2006" xmlns:a14="http://schemas.microsoft.com/office/drawing/2010/main">
+        <mc:Choice Requires="a14">
           <p:sp>
             <p:nvSpPr>
               <p:cNvPr id="3" name="CuadroTexto 2">
@@ -20460,7 +20592,7 @@
             </p:txBody>
           </p:sp>
         </mc:Choice>
-        <mc:Fallback>
+        <mc:Fallback xmlns="">
           <p:sp>
             <p:nvSpPr>
               <p:cNvPr id="3" name="CuadroTexto 2">
@@ -20508,8 +20640,8 @@
           </p:sp>
         </mc:Fallback>
       </mc:AlternateContent>
-      <mc:AlternateContent xmlns:mc="http://schemas.openxmlformats.org/markup-compatibility/2006">
-        <mc:Choice xmlns:a14="http://schemas.microsoft.com/office/drawing/2010/main" Requires="a14">
+      <mc:AlternateContent xmlns:mc="http://schemas.openxmlformats.org/markup-compatibility/2006" xmlns:a14="http://schemas.microsoft.com/office/drawing/2010/main">
+        <mc:Choice Requires="a14">
           <p:sp>
             <p:nvSpPr>
               <p:cNvPr id="4" name="CuadroTexto 3">
@@ -20583,7 +20715,7 @@
             </p:txBody>
           </p:sp>
         </mc:Choice>
-        <mc:Fallback>
+        <mc:Fallback xmlns="">
           <p:sp>
             <p:nvSpPr>
               <p:cNvPr id="4" name="CuadroTexto 3">
@@ -20631,8 +20763,8 @@
           </p:sp>
         </mc:Fallback>
       </mc:AlternateContent>
-      <mc:AlternateContent xmlns:mc="http://schemas.openxmlformats.org/markup-compatibility/2006">
-        <mc:Choice xmlns:a14="http://schemas.microsoft.com/office/drawing/2010/main" Requires="a14">
+      <mc:AlternateContent xmlns:mc="http://schemas.openxmlformats.org/markup-compatibility/2006" xmlns:a14="http://schemas.microsoft.com/office/drawing/2010/main">
+        <mc:Choice Requires="a14">
           <p:sp>
             <p:nvSpPr>
               <p:cNvPr id="5" name="CuadroTexto 4">
@@ -20706,7 +20838,7 @@
             </p:txBody>
           </p:sp>
         </mc:Choice>
-        <mc:Fallback>
+        <mc:Fallback xmlns="">
           <p:sp>
             <p:nvSpPr>
               <p:cNvPr id="5" name="CuadroTexto 4">
